--- a/Our Project PPT/3rd Review/Electronic Voting Machine  with fingerprint and facial recognition.pptx
+++ b/Our Project PPT/3rd Review/Electronic Voting Machine  with fingerprint and facial recognition.pptx
@@ -5,7 +5,7 @@
     <p:sldMasterId id="2147483766" r:id="rId1"/>
   </p:sldMasterIdLst>
   <p:notesMasterIdLst>
-    <p:notesMasterId r:id="rId15"/>
+    <p:notesMasterId r:id="rId19"/>
   </p:notesMasterIdLst>
   <p:sldIdLst>
     <p:sldId id="256" r:id="rId2"/>
@@ -19,8 +19,12 @@
     <p:sldId id="266" r:id="rId10"/>
     <p:sldId id="270" r:id="rId11"/>
     <p:sldId id="271" r:id="rId12"/>
-    <p:sldId id="272" r:id="rId13"/>
-    <p:sldId id="261" r:id="rId14"/>
+    <p:sldId id="276" r:id="rId13"/>
+    <p:sldId id="273" r:id="rId14"/>
+    <p:sldId id="274" r:id="rId15"/>
+    <p:sldId id="272" r:id="rId16"/>
+    <p:sldId id="275" r:id="rId17"/>
+    <p:sldId id="261" r:id="rId18"/>
   </p:sldIdLst>
   <p:sldSz cx="12192000" cy="6858000"/>
   <p:notesSz cx="6858000" cy="9144000"/>
@@ -209,7 +213,7 @@
           <a:p>
             <a:fld id="{0C01325D-BC9B-40CA-A232-812DD10CD9D7}" type="datetimeFigureOut">
               <a:rPr lang="en-IN" smtClean="0"/>
-              <a:t>13-05-2022</a:t>
+              <a:t>12-05-2022</a:t>
             </a:fld>
             <a:endParaRPr lang="en-IN"/>
           </a:p>
@@ -663,7 +667,7 @@
           <a:p>
             <a:fld id="{FFFD472B-3F04-4140-8EB9-D00A0FF39B7A}" type="datetimeFigureOut">
               <a:rPr lang="en-IN" smtClean="0"/>
-              <a:t>13-05-2022</a:t>
+              <a:t>12-05-2022</a:t>
             </a:fld>
             <a:endParaRPr lang="en-IN"/>
           </a:p>
@@ -938,7 +942,7 @@
           <a:p>
             <a:fld id="{FFFD472B-3F04-4140-8EB9-D00A0FF39B7A}" type="datetimeFigureOut">
               <a:rPr lang="en-IN" smtClean="0"/>
-              <a:t>13-05-2022</a:t>
+              <a:t>12-05-2022</a:t>
             </a:fld>
             <a:endParaRPr lang="en-IN"/>
           </a:p>
@@ -1132,7 +1136,7 @@
           <a:p>
             <a:fld id="{FFFD472B-3F04-4140-8EB9-D00A0FF39B7A}" type="datetimeFigureOut">
               <a:rPr lang="en-IN" smtClean="0"/>
-              <a:t>13-05-2022</a:t>
+              <a:t>12-05-2022</a:t>
             </a:fld>
             <a:endParaRPr lang="en-IN"/>
           </a:p>
@@ -1405,7 +1409,7 @@
           <a:p>
             <a:fld id="{FFFD472B-3F04-4140-8EB9-D00A0FF39B7A}" type="datetimeFigureOut">
               <a:rPr lang="en-IN" smtClean="0"/>
-              <a:t>13-05-2022</a:t>
+              <a:t>12-05-2022</a:t>
             </a:fld>
             <a:endParaRPr lang="en-IN"/>
           </a:p>
@@ -1746,7 +1750,7 @@
           <a:p>
             <a:fld id="{FFFD472B-3F04-4140-8EB9-D00A0FF39B7A}" type="datetimeFigureOut">
               <a:rPr lang="en-IN" smtClean="0"/>
-              <a:t>13-05-2022</a:t>
+              <a:t>12-05-2022</a:t>
             </a:fld>
             <a:endParaRPr lang="en-IN"/>
           </a:p>
@@ -2369,7 +2373,7 @@
           <a:p>
             <a:fld id="{FFFD472B-3F04-4140-8EB9-D00A0FF39B7A}" type="datetimeFigureOut">
               <a:rPr lang="en-IN" smtClean="0"/>
-              <a:t>13-05-2022</a:t>
+              <a:t>12-05-2022</a:t>
             </a:fld>
             <a:endParaRPr lang="en-IN"/>
           </a:p>
@@ -3229,7 +3233,7 @@
           <a:p>
             <a:fld id="{FFFD472B-3F04-4140-8EB9-D00A0FF39B7A}" type="datetimeFigureOut">
               <a:rPr lang="en-IN" smtClean="0"/>
-              <a:t>13-05-2022</a:t>
+              <a:t>12-05-2022</a:t>
             </a:fld>
             <a:endParaRPr lang="en-IN"/>
           </a:p>
@@ -3399,7 +3403,7 @@
           <a:p>
             <a:fld id="{FFFD472B-3F04-4140-8EB9-D00A0FF39B7A}" type="datetimeFigureOut">
               <a:rPr lang="en-IN" smtClean="0"/>
-              <a:t>13-05-2022</a:t>
+              <a:t>12-05-2022</a:t>
             </a:fld>
             <a:endParaRPr lang="en-IN"/>
           </a:p>
@@ -3579,7 +3583,7 @@
           <a:p>
             <a:fld id="{FFFD472B-3F04-4140-8EB9-D00A0FF39B7A}" type="datetimeFigureOut">
               <a:rPr lang="en-IN" smtClean="0"/>
-              <a:t>13-05-2022</a:t>
+              <a:t>12-05-2022</a:t>
             </a:fld>
             <a:endParaRPr lang="en-IN"/>
           </a:p>
@@ -3749,7 +3753,7 @@
           <a:p>
             <a:fld id="{FFFD472B-3F04-4140-8EB9-D00A0FF39B7A}" type="datetimeFigureOut">
               <a:rPr lang="en-IN" smtClean="0"/>
-              <a:t>13-05-2022</a:t>
+              <a:t>12-05-2022</a:t>
             </a:fld>
             <a:endParaRPr lang="en-IN"/>
           </a:p>
@@ -3996,7 +4000,7 @@
           <a:p>
             <a:fld id="{FFFD472B-3F04-4140-8EB9-D00A0FF39B7A}" type="datetimeFigureOut">
               <a:rPr lang="en-IN" smtClean="0"/>
-              <a:t>13-05-2022</a:t>
+              <a:t>12-05-2022</a:t>
             </a:fld>
             <a:endParaRPr lang="en-IN"/>
           </a:p>
@@ -4288,7 +4292,7 @@
           <a:p>
             <a:fld id="{FFFD472B-3F04-4140-8EB9-D00A0FF39B7A}" type="datetimeFigureOut">
               <a:rPr lang="en-IN" smtClean="0"/>
-              <a:t>13-05-2022</a:t>
+              <a:t>12-05-2022</a:t>
             </a:fld>
             <a:endParaRPr lang="en-IN"/>
           </a:p>
@@ -4732,7 +4736,7 @@
           <a:p>
             <a:fld id="{FFFD472B-3F04-4140-8EB9-D00A0FF39B7A}" type="datetimeFigureOut">
               <a:rPr lang="en-IN" smtClean="0"/>
-              <a:t>13-05-2022</a:t>
+              <a:t>12-05-2022</a:t>
             </a:fld>
             <a:endParaRPr lang="en-IN"/>
           </a:p>
@@ -4850,7 +4854,7 @@
           <a:p>
             <a:fld id="{FFFD472B-3F04-4140-8EB9-D00A0FF39B7A}" type="datetimeFigureOut">
               <a:rPr lang="en-IN" smtClean="0"/>
-              <a:t>13-05-2022</a:t>
+              <a:t>12-05-2022</a:t>
             </a:fld>
             <a:endParaRPr lang="en-IN"/>
           </a:p>
@@ -4945,7 +4949,7 @@
           <a:p>
             <a:fld id="{FFFD472B-3F04-4140-8EB9-D00A0FF39B7A}" type="datetimeFigureOut">
               <a:rPr lang="en-IN" smtClean="0"/>
-              <a:t>13-05-2022</a:t>
+              <a:t>12-05-2022</a:t>
             </a:fld>
             <a:endParaRPr lang="en-IN"/>
           </a:p>
@@ -5224,7 +5228,7 @@
           <a:p>
             <a:fld id="{FFFD472B-3F04-4140-8EB9-D00A0FF39B7A}" type="datetimeFigureOut">
               <a:rPr lang="en-IN" smtClean="0"/>
-              <a:t>13-05-2022</a:t>
+              <a:t>12-05-2022</a:t>
             </a:fld>
             <a:endParaRPr lang="en-IN"/>
           </a:p>
@@ -5499,7 +5503,7 @@
           <a:p>
             <a:fld id="{FFFD472B-3F04-4140-8EB9-D00A0FF39B7A}" type="datetimeFigureOut">
               <a:rPr lang="en-IN" smtClean="0"/>
-              <a:t>13-05-2022</a:t>
+              <a:t>12-05-2022</a:t>
             </a:fld>
             <a:endParaRPr lang="en-IN"/>
           </a:p>
@@ -5928,7 +5932,7 @@
           <a:p>
             <a:fld id="{FFFD472B-3F04-4140-8EB9-D00A0FF39B7A}" type="datetimeFigureOut">
               <a:rPr lang="en-IN" smtClean="0"/>
-              <a:t>13-05-2022</a:t>
+              <a:t>12-05-2022</a:t>
             </a:fld>
             <a:endParaRPr lang="en-IN"/>
           </a:p>
@@ -6659,7 +6663,7 @@
         </p:nvSpPr>
         <p:spPr>
           <a:xfrm>
-            <a:off x="446395" y="363538"/>
+            <a:off x="419100" y="665162"/>
             <a:ext cx="7620000" cy="1143000"/>
           </a:xfrm>
           <a:prstGeom prst="rect">
@@ -6777,7 +6781,7 @@
         </p:nvSpPr>
         <p:spPr>
           <a:xfrm>
-            <a:off x="2286000" y="363538"/>
+            <a:off x="1905000" y="935038"/>
             <a:ext cx="7620000" cy="4800600"/>
           </a:xfrm>
           <a:prstGeom prst="rect">
@@ -7069,21 +7073,7 @@
                 <a:latin typeface="Times New Roman" panose="02020603050405020304" pitchFamily="18" charset="0"/>
                 <a:cs typeface="Times New Roman" panose="02020603050405020304" pitchFamily="18" charset="0"/>
               </a:rPr>
-              <a:t>Facial Recognition module</a:t>
-            </a:r>
-          </a:p>
-          <a:p>
-            <a:pPr>
-              <a:lnSpc>
-                <a:spcPct val="150000"/>
-              </a:lnSpc>
-            </a:pPr>
-            <a:r>
-              <a:rPr lang="en-US" dirty="0">
-                <a:latin typeface="Times New Roman" panose="02020603050405020304" pitchFamily="18" charset="0"/>
-                <a:cs typeface="Times New Roman" panose="02020603050405020304" pitchFamily="18" charset="0"/>
-              </a:rPr>
-              <a:t>ESP 32.</a:t>
+              <a:t>ESP 8266.</a:t>
             </a:r>
             <a:endParaRPr lang="en-IN" dirty="0">
               <a:latin typeface="Times New Roman" panose="02020603050405020304" pitchFamily="18" charset="0"/>
@@ -7744,6 +7734,468 @@
       </p:grpSpPr>
       <p:sp>
         <p:nvSpPr>
+          <p:cNvPr id="2" name="TextBox 1">
+            <a:extLst>
+              <a:ext uri="{FF2B5EF4-FFF2-40B4-BE49-F238E27FC236}">
+                <a16:creationId xmlns:a16="http://schemas.microsoft.com/office/drawing/2014/main" id="{EFB8C32E-6D42-4D83-8136-87B385AB4A1C}"/>
+              </a:ext>
+            </a:extLst>
+          </p:cNvPr>
+          <p:cNvSpPr txBox="1"/>
+          <p:nvPr/>
+        </p:nvSpPr>
+        <p:spPr>
+          <a:xfrm>
+            <a:off x="368300" y="622300"/>
+            <a:ext cx="5854700" cy="584775"/>
+          </a:xfrm>
+          <a:prstGeom prst="rect">
+            <a:avLst/>
+          </a:prstGeom>
+          <a:noFill/>
+        </p:spPr>
+        <p:txBody>
+          <a:bodyPr wrap="square" rtlCol="0">
+            <a:spAutoFit/>
+          </a:bodyPr>
+          <a:lstStyle/>
+          <a:p>
+            <a:r>
+              <a:rPr lang="en-US" sz="3200" dirty="0">
+                <a:latin typeface="Times New Roman" panose="02020603050405020304" pitchFamily="18" charset="0"/>
+                <a:cs typeface="Times New Roman" panose="02020603050405020304" pitchFamily="18" charset="0"/>
+              </a:rPr>
+              <a:t>Drawbacks:</a:t>
+            </a:r>
+          </a:p>
+        </p:txBody>
+      </p:sp>
+      <p:sp>
+        <p:nvSpPr>
+          <p:cNvPr id="3" name="TextBox 2">
+            <a:extLst>
+              <a:ext uri="{FF2B5EF4-FFF2-40B4-BE49-F238E27FC236}">
+                <a16:creationId xmlns:a16="http://schemas.microsoft.com/office/drawing/2014/main" id="{22D189A5-0FBF-4631-8D75-604CC769C58E}"/>
+              </a:ext>
+            </a:extLst>
+          </p:cNvPr>
+          <p:cNvSpPr txBox="1"/>
+          <p:nvPr/>
+        </p:nvSpPr>
+        <p:spPr>
+          <a:xfrm>
+            <a:off x="850900" y="1663700"/>
+            <a:ext cx="11010900" cy="2795958"/>
+          </a:xfrm>
+          <a:prstGeom prst="rect">
+            <a:avLst/>
+          </a:prstGeom>
+          <a:noFill/>
+        </p:spPr>
+        <p:txBody>
+          <a:bodyPr wrap="square" rtlCol="0">
+            <a:spAutoFit/>
+          </a:bodyPr>
+          <a:lstStyle/>
+          <a:p>
+            <a:pPr marL="285750" indent="-285750">
+              <a:lnSpc>
+                <a:spcPct val="150000"/>
+              </a:lnSpc>
+              <a:buFont typeface="Wingdings" panose="05000000000000000000" pitchFamily="2" charset="2"/>
+              <a:buChar char="Ø"/>
+            </a:pPr>
+            <a:r>
+              <a:rPr lang="en-US" sz="2400" dirty="0">
+                <a:latin typeface="Times New Roman" panose="02020603050405020304" pitchFamily="18" charset="0"/>
+                <a:cs typeface="Times New Roman" panose="02020603050405020304" pitchFamily="18" charset="0"/>
+              </a:rPr>
+              <a:t>Before voting the user has to enroll first.</a:t>
+            </a:r>
+          </a:p>
+          <a:p>
+            <a:pPr marL="285750" indent="-285750">
+              <a:lnSpc>
+                <a:spcPct val="150000"/>
+              </a:lnSpc>
+              <a:buFont typeface="Wingdings" panose="05000000000000000000" pitchFamily="2" charset="2"/>
+              <a:buChar char="Ø"/>
+            </a:pPr>
+            <a:r>
+              <a:rPr lang="en-US" sz="2400" dirty="0">
+                <a:latin typeface="Times New Roman" panose="02020603050405020304" pitchFamily="18" charset="0"/>
+                <a:cs typeface="Times New Roman" panose="02020603050405020304" pitchFamily="18" charset="0"/>
+              </a:rPr>
+              <a:t>Sensitivity of finger print module causes sometimes Combine character error.</a:t>
+            </a:r>
+          </a:p>
+          <a:p>
+            <a:pPr marL="285750" indent="-285750">
+              <a:lnSpc>
+                <a:spcPct val="150000"/>
+              </a:lnSpc>
+              <a:buFont typeface="Wingdings" panose="05000000000000000000" pitchFamily="2" charset="2"/>
+              <a:buChar char="Ø"/>
+            </a:pPr>
+            <a:r>
+              <a:rPr lang="en-US" sz="2400" dirty="0">
+                <a:latin typeface="Times New Roman" panose="02020603050405020304" pitchFamily="18" charset="0"/>
+                <a:cs typeface="Times New Roman" panose="02020603050405020304" pitchFamily="18" charset="0"/>
+              </a:rPr>
+              <a:t>Finger print </a:t>
+            </a:r>
+            <a:r>
+              <a:rPr lang="en-US" altLang="en-US" sz="2400" dirty="0">
+                <a:latin typeface="Times New Roman" panose="02020603050405020304" pitchFamily="18" charset="0"/>
+                <a:cs typeface="Times New Roman" panose="02020603050405020304" pitchFamily="18" charset="0"/>
+              </a:rPr>
+              <a:t>recognition is that it is not affected by dryness or roughness of skin or by physical injury on surface of the hand but sometimes the temperature and humidity can affect the quality of the captured image</a:t>
+            </a:r>
+            <a:endParaRPr lang="en-IN" sz="2400" dirty="0">
+              <a:latin typeface="Times New Roman" panose="02020603050405020304" pitchFamily="18" charset="0"/>
+              <a:cs typeface="Times New Roman" panose="02020603050405020304" pitchFamily="18" charset="0"/>
+            </a:endParaRPr>
+          </a:p>
+        </p:txBody>
+      </p:sp>
+    </p:spTree>
+    <p:extLst>
+      <p:ext uri="{BB962C8B-B14F-4D97-AF65-F5344CB8AC3E}">
+        <p14:creationId xmlns:p14="http://schemas.microsoft.com/office/powerpoint/2010/main" val="476829991"/>
+      </p:ext>
+    </p:extLst>
+  </p:cSld>
+  <p:clrMapOvr>
+    <a:masterClrMapping/>
+  </p:clrMapOvr>
+</p:sld>
+</file>
+
+<file path=ppt/slides/slide13.xml><?xml version="1.0" encoding="utf-8"?>
+<p:sld xmlns:a="http://schemas.openxmlformats.org/drawingml/2006/main" xmlns:r="http://schemas.openxmlformats.org/officeDocument/2006/relationships" xmlns:p="http://schemas.openxmlformats.org/presentationml/2006/main">
+  <p:cSld>
+    <p:spTree>
+      <p:nvGrpSpPr>
+        <p:cNvPr id="1" name=""/>
+        <p:cNvGrpSpPr/>
+        <p:nvPr/>
+      </p:nvGrpSpPr>
+      <p:grpSpPr>
+        <a:xfrm>
+          <a:off x="0" y="0"/>
+          <a:ext cx="0" cy="0"/>
+          <a:chOff x="0" y="0"/>
+          <a:chExt cx="0" cy="0"/>
+        </a:xfrm>
+      </p:grpSpPr>
+      <p:sp>
+        <p:nvSpPr>
+          <p:cNvPr id="2" name="TextBox 1">
+            <a:extLst>
+              <a:ext uri="{FF2B5EF4-FFF2-40B4-BE49-F238E27FC236}">
+                <a16:creationId xmlns:a16="http://schemas.microsoft.com/office/drawing/2014/main" id="{258EE2FE-31B3-46B7-9F04-E3F4C10AFE69}"/>
+              </a:ext>
+            </a:extLst>
+          </p:cNvPr>
+          <p:cNvSpPr txBox="1"/>
+          <p:nvPr/>
+        </p:nvSpPr>
+        <p:spPr>
+          <a:xfrm>
+            <a:off x="876300" y="1663700"/>
+            <a:ext cx="11315700" cy="3903954"/>
+          </a:xfrm>
+          <a:prstGeom prst="rect">
+            <a:avLst/>
+          </a:prstGeom>
+          <a:noFill/>
+        </p:spPr>
+        <p:txBody>
+          <a:bodyPr wrap="square" rtlCol="0">
+            <a:spAutoFit/>
+          </a:bodyPr>
+          <a:lstStyle/>
+          <a:p>
+            <a:pPr marL="285750" indent="-285750">
+              <a:lnSpc>
+                <a:spcPct val="150000"/>
+              </a:lnSpc>
+              <a:buFont typeface="Wingdings" panose="05000000000000000000" pitchFamily="2" charset="2"/>
+              <a:buChar char="Ø"/>
+            </a:pPr>
+            <a:r>
+              <a:rPr lang="en-US" sz="2400" dirty="0">
+                <a:latin typeface="Times New Roman" panose="02020603050405020304" pitchFamily="18" charset="0"/>
+                <a:cs typeface="Times New Roman" panose="02020603050405020304" pitchFamily="18" charset="0"/>
+              </a:rPr>
+              <a:t>The working of this model is very straightforward and very easy to understand.</a:t>
+            </a:r>
+          </a:p>
+          <a:p>
+            <a:pPr marL="285750" indent="-285750">
+              <a:lnSpc>
+                <a:spcPct val="150000"/>
+              </a:lnSpc>
+              <a:buFont typeface="Wingdings" panose="05000000000000000000" pitchFamily="2" charset="2"/>
+              <a:buChar char="Ø"/>
+            </a:pPr>
+            <a:r>
+              <a:rPr lang="en-US" sz="2400" dirty="0">
+                <a:latin typeface="Times New Roman" panose="02020603050405020304" pitchFamily="18" charset="0"/>
+                <a:cs typeface="Times New Roman" panose="02020603050405020304" pitchFamily="18" charset="0"/>
+              </a:rPr>
+              <a:t>First, the fingerprint reader scans the fingerprint of the voter and sends the output to the microcontroller.</a:t>
+            </a:r>
+          </a:p>
+          <a:p>
+            <a:pPr marL="285750" indent="-285750">
+              <a:lnSpc>
+                <a:spcPct val="150000"/>
+              </a:lnSpc>
+              <a:buFont typeface="Wingdings" panose="05000000000000000000" pitchFamily="2" charset="2"/>
+              <a:buChar char="Ø"/>
+            </a:pPr>
+            <a:r>
+              <a:rPr lang="en-US" sz="2400" dirty="0">
+                <a:latin typeface="Times New Roman" panose="02020603050405020304" pitchFamily="18" charset="0"/>
+                <a:cs typeface="Times New Roman" panose="02020603050405020304" pitchFamily="18" charset="0"/>
+              </a:rPr>
+              <a:t>The microcontroller then pairs the scanned data with the data in the database and retrieves the information about the voter.</a:t>
+            </a:r>
+          </a:p>
+          <a:p>
+            <a:pPr marL="285750" indent="-285750">
+              <a:lnSpc>
+                <a:spcPct val="150000"/>
+              </a:lnSpc>
+              <a:buFont typeface="Wingdings" panose="05000000000000000000" pitchFamily="2" charset="2"/>
+              <a:buChar char="Ø"/>
+            </a:pPr>
+            <a:r>
+              <a:rPr lang="en-US" sz="2400" dirty="0">
+                <a:latin typeface="Times New Roman" panose="02020603050405020304" pitchFamily="18" charset="0"/>
+                <a:cs typeface="Times New Roman" panose="02020603050405020304" pitchFamily="18" charset="0"/>
+              </a:rPr>
+              <a:t>The camera scans the face of the voter and checks whether it is similar to the face of the voter’s face data that is paired with the fingerprint.</a:t>
+            </a:r>
+          </a:p>
+        </p:txBody>
+      </p:sp>
+      <p:sp>
+        <p:nvSpPr>
+          <p:cNvPr id="3" name="TextBox 2">
+            <a:extLst>
+              <a:ext uri="{FF2B5EF4-FFF2-40B4-BE49-F238E27FC236}">
+                <a16:creationId xmlns:a16="http://schemas.microsoft.com/office/drawing/2014/main" id="{D792E939-E763-4E2B-9110-CD946FD12FCA}"/>
+              </a:ext>
+            </a:extLst>
+          </p:cNvPr>
+          <p:cNvSpPr txBox="1"/>
+          <p:nvPr/>
+        </p:nvSpPr>
+        <p:spPr>
+          <a:xfrm>
+            <a:off x="508000" y="685800"/>
+            <a:ext cx="7391400" cy="584775"/>
+          </a:xfrm>
+          <a:prstGeom prst="rect">
+            <a:avLst/>
+          </a:prstGeom>
+          <a:noFill/>
+        </p:spPr>
+        <p:txBody>
+          <a:bodyPr wrap="square" rtlCol="0">
+            <a:spAutoFit/>
+          </a:bodyPr>
+          <a:lstStyle/>
+          <a:p>
+            <a:r>
+              <a:rPr lang="en-US" sz="3200" dirty="0">
+                <a:latin typeface="Times New Roman" panose="02020603050405020304" pitchFamily="18" charset="0"/>
+                <a:cs typeface="Times New Roman" panose="02020603050405020304" pitchFamily="18" charset="0"/>
+              </a:rPr>
+              <a:t>Result and Discussion:</a:t>
+            </a:r>
+          </a:p>
+        </p:txBody>
+      </p:sp>
+    </p:spTree>
+    <p:extLst>
+      <p:ext uri="{BB962C8B-B14F-4D97-AF65-F5344CB8AC3E}">
+        <p14:creationId xmlns:p14="http://schemas.microsoft.com/office/powerpoint/2010/main" val="558778188"/>
+      </p:ext>
+    </p:extLst>
+  </p:cSld>
+  <p:clrMapOvr>
+    <a:masterClrMapping/>
+  </p:clrMapOvr>
+</p:sld>
+</file>
+
+<file path=ppt/slides/slide14.xml><?xml version="1.0" encoding="utf-8"?>
+<p:sld xmlns:a="http://schemas.openxmlformats.org/drawingml/2006/main" xmlns:r="http://schemas.openxmlformats.org/officeDocument/2006/relationships" xmlns:p="http://schemas.openxmlformats.org/presentationml/2006/main">
+  <p:cSld>
+    <p:spTree>
+      <p:nvGrpSpPr>
+        <p:cNvPr id="1" name=""/>
+        <p:cNvGrpSpPr/>
+        <p:nvPr/>
+      </p:nvGrpSpPr>
+      <p:grpSpPr>
+        <a:xfrm>
+          <a:off x="0" y="0"/>
+          <a:ext cx="0" cy="0"/>
+          <a:chOff x="0" y="0"/>
+          <a:chExt cx="0" cy="0"/>
+        </a:xfrm>
+      </p:grpSpPr>
+      <p:sp>
+        <p:nvSpPr>
+          <p:cNvPr id="2" name="TextBox 1">
+            <a:extLst>
+              <a:ext uri="{FF2B5EF4-FFF2-40B4-BE49-F238E27FC236}">
+                <a16:creationId xmlns:a16="http://schemas.microsoft.com/office/drawing/2014/main" id="{E473E354-4908-477F-A2A8-19AF6D1771F9}"/>
+              </a:ext>
+            </a:extLst>
+          </p:cNvPr>
+          <p:cNvSpPr txBox="1"/>
+          <p:nvPr/>
+        </p:nvSpPr>
+        <p:spPr>
+          <a:xfrm>
+            <a:off x="368300" y="584200"/>
+            <a:ext cx="7912100" cy="584775"/>
+          </a:xfrm>
+          <a:prstGeom prst="rect">
+            <a:avLst/>
+          </a:prstGeom>
+          <a:noFill/>
+        </p:spPr>
+        <p:txBody>
+          <a:bodyPr wrap="square" rtlCol="0">
+            <a:spAutoFit/>
+          </a:bodyPr>
+          <a:lstStyle/>
+          <a:p>
+            <a:r>
+              <a:rPr lang="en-US" sz="3200" dirty="0">
+                <a:latin typeface="Times New Roman" panose="02020603050405020304" pitchFamily="18" charset="0"/>
+                <a:cs typeface="Times New Roman" panose="02020603050405020304" pitchFamily="18" charset="0"/>
+              </a:rPr>
+              <a:t>Conclusion:</a:t>
+            </a:r>
+          </a:p>
+        </p:txBody>
+      </p:sp>
+      <p:sp>
+        <p:nvSpPr>
+          <p:cNvPr id="3" name="TextBox 2">
+            <a:extLst>
+              <a:ext uri="{FF2B5EF4-FFF2-40B4-BE49-F238E27FC236}">
+                <a16:creationId xmlns:a16="http://schemas.microsoft.com/office/drawing/2014/main" id="{6C934FD1-8549-499E-B863-A65D428E4259}"/>
+              </a:ext>
+            </a:extLst>
+          </p:cNvPr>
+          <p:cNvSpPr txBox="1"/>
+          <p:nvPr/>
+        </p:nvSpPr>
+        <p:spPr>
+          <a:xfrm>
+            <a:off x="571500" y="1587500"/>
+            <a:ext cx="11049000" cy="3349956"/>
+          </a:xfrm>
+          <a:prstGeom prst="rect">
+            <a:avLst/>
+          </a:prstGeom>
+          <a:noFill/>
+        </p:spPr>
+        <p:txBody>
+          <a:bodyPr wrap="square" rtlCol="0">
+            <a:spAutoFit/>
+          </a:bodyPr>
+          <a:lstStyle/>
+          <a:p>
+            <a:pPr marL="342900" indent="-342900">
+              <a:lnSpc>
+                <a:spcPct val="150000"/>
+              </a:lnSpc>
+              <a:buFont typeface="Wingdings" panose="05000000000000000000" pitchFamily="2" charset="2"/>
+              <a:buChar char="Ø"/>
+            </a:pPr>
+            <a:r>
+              <a:rPr lang="en-US" sz="2400" dirty="0">
+                <a:latin typeface="Times New Roman" panose="02020603050405020304" pitchFamily="18" charset="0"/>
+                <a:cs typeface="Times New Roman" panose="02020603050405020304" pitchFamily="18" charset="0"/>
+              </a:rPr>
+              <a:t>There are many fraudulent and illegal activities that are happening in regards to the current voting process.</a:t>
+            </a:r>
+          </a:p>
+          <a:p>
+            <a:pPr marL="342900" indent="-342900">
+              <a:lnSpc>
+                <a:spcPct val="150000"/>
+              </a:lnSpc>
+              <a:buFont typeface="Wingdings" panose="05000000000000000000" pitchFamily="2" charset="2"/>
+              <a:buChar char="Ø"/>
+            </a:pPr>
+            <a:r>
+              <a:rPr lang="en-US" sz="2400" dirty="0">
+                <a:latin typeface="Times New Roman" panose="02020603050405020304" pitchFamily="18" charset="0"/>
+                <a:cs typeface="Times New Roman" panose="02020603050405020304" pitchFamily="18" charset="0"/>
+              </a:rPr>
+              <a:t>With these problems in mind, the electronic voting machine is developed with fingerprint and facial recognition.</a:t>
+            </a:r>
+          </a:p>
+          <a:p>
+            <a:pPr marL="342900" indent="-342900">
+              <a:lnSpc>
+                <a:spcPct val="150000"/>
+              </a:lnSpc>
+              <a:buFont typeface="Wingdings" panose="05000000000000000000" pitchFamily="2" charset="2"/>
+              <a:buChar char="Ø"/>
+            </a:pPr>
+            <a:r>
+              <a:rPr lang="en-US" sz="2400" dirty="0">
+                <a:latin typeface="Times New Roman" panose="02020603050405020304" pitchFamily="18" charset="0"/>
+                <a:cs typeface="Times New Roman" panose="02020603050405020304" pitchFamily="18" charset="0"/>
+              </a:rPr>
+              <a:t>This dual authentication system reduces the chances of the above mentioned problems and so it has improves the security and efficiency of the voting process.</a:t>
+            </a:r>
+          </a:p>
+        </p:txBody>
+      </p:sp>
+    </p:spTree>
+    <p:extLst>
+      <p:ext uri="{BB962C8B-B14F-4D97-AF65-F5344CB8AC3E}">
+        <p14:creationId xmlns:p14="http://schemas.microsoft.com/office/powerpoint/2010/main" val="3380275094"/>
+      </p:ext>
+    </p:extLst>
+  </p:cSld>
+  <p:clrMapOvr>
+    <a:masterClrMapping/>
+  </p:clrMapOvr>
+</p:sld>
+</file>
+
+<file path=ppt/slides/slide15.xml><?xml version="1.0" encoding="utf-8"?>
+<p:sld xmlns:a="http://schemas.openxmlformats.org/drawingml/2006/main" xmlns:r="http://schemas.openxmlformats.org/officeDocument/2006/relationships" xmlns:p="http://schemas.openxmlformats.org/presentationml/2006/main">
+  <p:cSld>
+    <p:spTree>
+      <p:nvGrpSpPr>
+        <p:cNvPr id="1" name=""/>
+        <p:cNvGrpSpPr/>
+        <p:nvPr/>
+      </p:nvGrpSpPr>
+      <p:grpSpPr>
+        <a:xfrm>
+          <a:off x="0" y="0"/>
+          <a:ext cx="0" cy="0"/>
+          <a:chOff x="0" y="0"/>
+          <a:chExt cx="0" cy="0"/>
+        </a:xfrm>
+      </p:grpSpPr>
+      <p:sp>
+        <p:nvSpPr>
           <p:cNvPr id="2" name="Title 1">
             <a:extLst>
               <a:ext uri="{FF2B5EF4-FFF2-40B4-BE49-F238E27FC236}">
@@ -7866,8 +8318,8 @@
         </p:nvSpPr>
         <p:spPr>
           <a:xfrm>
-            <a:off x="1244600" y="1320800"/>
-            <a:ext cx="7620000" cy="4800600"/>
+            <a:off x="977900" y="977900"/>
+            <a:ext cx="10845800" cy="5427662"/>
           </a:xfrm>
           <a:prstGeom prst="rect">
             <a:avLst/>
@@ -8106,76 +8558,178 @@
           </a:lstStyle>
           <a:p>
             <a:r>
-              <a:rPr lang="en-US" b="0" i="0" u="none" strike="noStrike" baseline="0" dirty="0">
-                <a:latin typeface="TimesNewRomanPSMT"/>
-              </a:rPr>
-              <a:t>D. Ashok Kumar</a:t>
-            </a:r>
-            <a:r>
-              <a:rPr lang="en-IN" dirty="0">
+              <a:rPr lang="en-US" sz="2400" dirty="0">
                 <a:latin typeface="Times New Roman" panose="02020603050405020304" pitchFamily="18" charset="0"/>
                 <a:cs typeface="Times New Roman" panose="02020603050405020304" pitchFamily="18" charset="0"/>
               </a:rPr>
-              <a:t>, “Electric voting-machine”, Granted </a:t>
-            </a:r>
-            <a:r>
-              <a:rPr lang="en-US" i="0" u="none" strike="noStrike" baseline="0" dirty="0">
-                <a:latin typeface="TimesNewRomanPSMT"/>
-              </a:rPr>
-              <a:t>March 21-23, 2012</a:t>
-            </a:r>
-            <a:r>
-              <a:rPr lang="en-IN" dirty="0">
+              <a:t>[1] Phillips, P., </a:t>
+            </a:r>
+            <a:r>
+              <a:rPr lang="en-US" sz="2400" dirty="0" err="1">
                 <a:latin typeface="Times New Roman" panose="02020603050405020304" pitchFamily="18" charset="0"/>
                 <a:cs typeface="Times New Roman" panose="02020603050405020304" pitchFamily="18" charset="0"/>
               </a:rPr>
-              <a:t>. </a:t>
-            </a:r>
-          </a:p>
-          <a:p>
-            <a:r>
-              <a:rPr lang="en-IN" dirty="0">
+              <a:t>Grother</a:t>
+            </a:r>
+            <a:r>
+              <a:rPr lang="en-US" sz="2400" dirty="0">
                 <a:latin typeface="Times New Roman" panose="02020603050405020304" pitchFamily="18" charset="0"/>
                 <a:cs typeface="Times New Roman" panose="02020603050405020304" pitchFamily="18" charset="0"/>
               </a:rPr>
-              <a:t>J. Fried and A. Lee, “Study On Open Source Voting Systems”, Draft Report, San Francisco Local Agency Formation Commission, 2015.</a:t>
-            </a:r>
-          </a:p>
-          <a:p>
-            <a:r>
-              <a:rPr lang="en-IN" dirty="0">
+              <a:t>, P., </a:t>
+            </a:r>
+            <a:r>
+              <a:rPr lang="en-US" sz="2400" dirty="0" err="1">
                 <a:latin typeface="Times New Roman" panose="02020603050405020304" pitchFamily="18" charset="0"/>
                 <a:cs typeface="Times New Roman" panose="02020603050405020304" pitchFamily="18" charset="0"/>
               </a:rPr>
-              <a:t>Wikipedia, “Electronic voting”, 2015. [Online]. Available: https://en.wikipedia.org/wiki/Electronic_voting. </a:t>
-            </a:r>
-          </a:p>
-          <a:p>
-            <a:r>
-              <a:rPr lang="en-IN" dirty="0">
+              <a:t>Micheals</a:t>
+            </a:r>
+            <a:r>
+              <a:rPr lang="en-US" sz="2400" dirty="0">
                 <a:latin typeface="Times New Roman" panose="02020603050405020304" pitchFamily="18" charset="0"/>
                 <a:cs typeface="Times New Roman" panose="02020603050405020304" pitchFamily="18" charset="0"/>
               </a:rPr>
-              <a:t>A. Boyle, 'Pentagon launches Internet voting effort for overseas Americans', MSNBC, 2003.</a:t>
-            </a:r>
-          </a:p>
-          <a:p>
-            <a:r>
-              <a:rPr lang="en-IN" dirty="0">
+              <a:t>, R.J., Blackburn, D.M., </a:t>
+            </a:r>
+            <a:r>
+              <a:rPr lang="en-US" sz="2400" dirty="0" err="1">
                 <a:latin typeface="Times New Roman" panose="02020603050405020304" pitchFamily="18" charset="0"/>
                 <a:cs typeface="Times New Roman" panose="02020603050405020304" pitchFamily="18" charset="0"/>
               </a:rPr>
-              <a:t>  D. Jefferson, A. Rubin, B. Simmons, and D. Wagner. “A Security Analysis of the Secure Electronic Registration and Voting Experiment (SERVE)”. Technical report, 2004. </a:t>
-            </a:r>
-          </a:p>
-          <a:p>
-            <a:r>
-              <a:rPr lang="en-IN" dirty="0">
+              <a:t>Tabassi</a:t>
+            </a:r>
+            <a:r>
+              <a:rPr lang="en-US" sz="2400" dirty="0">
                 <a:latin typeface="Times New Roman" panose="02020603050405020304" pitchFamily="18" charset="0"/>
                 <a:cs typeface="Times New Roman" panose="02020603050405020304" pitchFamily="18" charset="0"/>
               </a:rPr>
-              <a:t> GIAC Security Essentials Certification, “Trusting the machine: inherent problems with electronic voting systems”, Global Information Assurance Certification Paper, 2004.. </a:t>
-            </a:r>
+              <a:t>, E., Bone, J.M.: Face recognition vendor test 2002 results. Technical report (2003).</a:t>
+            </a:r>
+          </a:p>
+          <a:p>
+            <a:r>
+              <a:rPr lang="en-US" sz="2400" dirty="0">
+                <a:latin typeface="Times New Roman" panose="02020603050405020304" pitchFamily="18" charset="0"/>
+                <a:cs typeface="Times New Roman" panose="02020603050405020304" pitchFamily="18" charset="0"/>
+              </a:rPr>
+              <a:t>[2] Zhao, W., </a:t>
+            </a:r>
+            <a:r>
+              <a:rPr lang="en-US" sz="2400" dirty="0" err="1">
+                <a:latin typeface="Times New Roman" panose="02020603050405020304" pitchFamily="18" charset="0"/>
+                <a:cs typeface="Times New Roman" panose="02020603050405020304" pitchFamily="18" charset="0"/>
+              </a:rPr>
+              <a:t>Chellappa</a:t>
+            </a:r>
+            <a:r>
+              <a:rPr lang="en-US" sz="2400" dirty="0">
+                <a:latin typeface="Times New Roman" panose="02020603050405020304" pitchFamily="18" charset="0"/>
+                <a:cs typeface="Times New Roman" panose="02020603050405020304" pitchFamily="18" charset="0"/>
+              </a:rPr>
+              <a:t>, R., Rosenfeld, A., Phillips, P.J.: Face recognition: a literature survey. Technical Report CAR-TR-948, Center for Automation Research, University of Maryland (2002) Phillips, P.J., Wechsler, H., Huang, J., </a:t>
+            </a:r>
+            <a:r>
+              <a:rPr lang="en-US" sz="2400" dirty="0" err="1">
+                <a:latin typeface="Times New Roman" panose="02020603050405020304" pitchFamily="18" charset="0"/>
+                <a:cs typeface="Times New Roman" panose="02020603050405020304" pitchFamily="18" charset="0"/>
+              </a:rPr>
+              <a:t>Rauss</a:t>
+            </a:r>
+            <a:r>
+              <a:rPr lang="en-US" sz="2400" dirty="0">
+                <a:latin typeface="Times New Roman" panose="02020603050405020304" pitchFamily="18" charset="0"/>
+                <a:cs typeface="Times New Roman" panose="02020603050405020304" pitchFamily="18" charset="0"/>
+              </a:rPr>
+              <a:t>, P.: The FERET database and evaluation procedure for face recognition algorithms. Image and Vision Computing 16, 295–306 (1998).</a:t>
+            </a:r>
+          </a:p>
+          <a:p>
+            <a:r>
+              <a:rPr lang="en-US" sz="2400" dirty="0">
+                <a:latin typeface="Times New Roman" panose="02020603050405020304" pitchFamily="18" charset="0"/>
+                <a:cs typeface="Times New Roman" panose="02020603050405020304" pitchFamily="18" charset="0"/>
+              </a:rPr>
+              <a:t>[3] Turk, M., Pentland, A.: Eigenfaces for recognition. Journal of Cognitive Neuroscience 3, 71–86 (1991).</a:t>
+            </a:r>
+          </a:p>
+          <a:p>
+            <a:r>
+              <a:rPr lang="en-US" sz="2400" dirty="0">
+                <a:latin typeface="Times New Roman" panose="02020603050405020304" pitchFamily="18" charset="0"/>
+                <a:cs typeface="Times New Roman" panose="02020603050405020304" pitchFamily="18" charset="0"/>
+              </a:rPr>
+              <a:t>[4] </a:t>
+            </a:r>
+            <a:r>
+              <a:rPr lang="en-US" sz="2400" dirty="0" err="1">
+                <a:latin typeface="Times New Roman" panose="02020603050405020304" pitchFamily="18" charset="0"/>
+                <a:cs typeface="Times New Roman" panose="02020603050405020304" pitchFamily="18" charset="0"/>
+              </a:rPr>
+              <a:t>Etemad</a:t>
+            </a:r>
+            <a:r>
+              <a:rPr lang="en-US" sz="2400" dirty="0">
+                <a:latin typeface="Times New Roman" panose="02020603050405020304" pitchFamily="18" charset="0"/>
+                <a:cs typeface="Times New Roman" panose="02020603050405020304" pitchFamily="18" charset="0"/>
+              </a:rPr>
+              <a:t>, K., </a:t>
+            </a:r>
+            <a:r>
+              <a:rPr lang="en-US" sz="2400" dirty="0" err="1">
+                <a:latin typeface="Times New Roman" panose="02020603050405020304" pitchFamily="18" charset="0"/>
+                <a:cs typeface="Times New Roman" panose="02020603050405020304" pitchFamily="18" charset="0"/>
+              </a:rPr>
+              <a:t>Chellappa</a:t>
+            </a:r>
+            <a:r>
+              <a:rPr lang="en-US" sz="2400" dirty="0">
+                <a:latin typeface="Times New Roman" panose="02020603050405020304" pitchFamily="18" charset="0"/>
+                <a:cs typeface="Times New Roman" panose="02020603050405020304" pitchFamily="18" charset="0"/>
+              </a:rPr>
+              <a:t>, R.: Discriminant analysis for recognition of human face images. Journal of the Optical Society of America 14, 1724–1733 (1997).</a:t>
+            </a:r>
+          </a:p>
+          <a:p>
+            <a:r>
+              <a:rPr lang="en-US" sz="2400" dirty="0">
+                <a:latin typeface="Times New Roman" panose="02020603050405020304" pitchFamily="18" charset="0"/>
+                <a:cs typeface="Times New Roman" panose="02020603050405020304" pitchFamily="18" charset="0"/>
+              </a:rPr>
+              <a:t>[5] Moghaddam, B., </a:t>
+            </a:r>
+            <a:r>
+              <a:rPr lang="en-US" sz="2400" dirty="0" err="1">
+                <a:latin typeface="Times New Roman" panose="02020603050405020304" pitchFamily="18" charset="0"/>
+                <a:cs typeface="Times New Roman" panose="02020603050405020304" pitchFamily="18" charset="0"/>
+              </a:rPr>
+              <a:t>Nastar</a:t>
+            </a:r>
+            <a:r>
+              <a:rPr lang="en-US" sz="2400" dirty="0">
+                <a:latin typeface="Times New Roman" panose="02020603050405020304" pitchFamily="18" charset="0"/>
+                <a:cs typeface="Times New Roman" panose="02020603050405020304" pitchFamily="18" charset="0"/>
+              </a:rPr>
+              <a:t>, C., Pentland, A.: A </a:t>
+            </a:r>
+            <a:r>
+              <a:rPr lang="en-US" sz="2400" dirty="0" err="1">
+                <a:latin typeface="Times New Roman" panose="02020603050405020304" pitchFamily="18" charset="0"/>
+                <a:cs typeface="Times New Roman" panose="02020603050405020304" pitchFamily="18" charset="0"/>
+              </a:rPr>
+              <a:t>bayesian</a:t>
+            </a:r>
+            <a:r>
+              <a:rPr lang="en-US" sz="2400" dirty="0">
+                <a:latin typeface="Times New Roman" panose="02020603050405020304" pitchFamily="18" charset="0"/>
+                <a:cs typeface="Times New Roman" panose="02020603050405020304" pitchFamily="18" charset="0"/>
+              </a:rPr>
+              <a:t> similarity measure for direct image matching. In: 13th International Conference on Pattern Recognition, pp. II: 350–358 (1996).</a:t>
+            </a:r>
+            <a:endParaRPr lang="en-IN" sz="2400" dirty="0">
+              <a:latin typeface="Times New Roman" panose="02020603050405020304" pitchFamily="18" charset="0"/>
+              <a:cs typeface="Times New Roman" panose="02020603050405020304" pitchFamily="18" charset="0"/>
+            </a:endParaRPr>
           </a:p>
         </p:txBody>
       </p:sp>
@@ -8192,7 +8746,266 @@
 </p:sld>
 </file>
 
-<file path=ppt/slides/slide13.xml><?xml version="1.0" encoding="utf-8"?>
+<file path=ppt/slides/slide16.xml><?xml version="1.0" encoding="utf-8"?>
+<p:sld xmlns:a="http://schemas.openxmlformats.org/drawingml/2006/main" xmlns:r="http://schemas.openxmlformats.org/officeDocument/2006/relationships" xmlns:p="http://schemas.openxmlformats.org/presentationml/2006/main">
+  <p:cSld>
+    <p:spTree>
+      <p:nvGrpSpPr>
+        <p:cNvPr id="1" name=""/>
+        <p:cNvGrpSpPr/>
+        <p:nvPr/>
+      </p:nvGrpSpPr>
+      <p:grpSpPr>
+        <a:xfrm>
+          <a:off x="0" y="0"/>
+          <a:ext cx="0" cy="0"/>
+          <a:chOff x="0" y="0"/>
+          <a:chExt cx="0" cy="0"/>
+        </a:xfrm>
+      </p:grpSpPr>
+      <p:sp>
+        <p:nvSpPr>
+          <p:cNvPr id="2" name="TextBox 1">
+            <a:extLst>
+              <a:ext uri="{FF2B5EF4-FFF2-40B4-BE49-F238E27FC236}">
+                <a16:creationId xmlns:a16="http://schemas.microsoft.com/office/drawing/2014/main" id="{59FA53AC-3FD8-41A0-89CD-9DCBE118D29B}"/>
+              </a:ext>
+            </a:extLst>
+          </p:cNvPr>
+          <p:cNvSpPr txBox="1"/>
+          <p:nvPr/>
+        </p:nvSpPr>
+        <p:spPr>
+          <a:xfrm>
+            <a:off x="533400" y="1181100"/>
+            <a:ext cx="11658600" cy="5565947"/>
+          </a:xfrm>
+          <a:prstGeom prst="rect">
+            <a:avLst/>
+          </a:prstGeom>
+          <a:noFill/>
+        </p:spPr>
+        <p:txBody>
+          <a:bodyPr wrap="square" rtlCol="0">
+            <a:spAutoFit/>
+          </a:bodyPr>
+          <a:lstStyle/>
+          <a:p>
+            <a:pPr marL="285750" indent="-285750">
+              <a:lnSpc>
+                <a:spcPct val="150000"/>
+              </a:lnSpc>
+              <a:buFont typeface="Wingdings" panose="05000000000000000000" pitchFamily="2" charset="2"/>
+              <a:buChar char="Ø"/>
+            </a:pPr>
+            <a:r>
+              <a:rPr lang="en-US" sz="2400" dirty="0">
+                <a:latin typeface="Times New Roman" panose="02020603050405020304" pitchFamily="18" charset="0"/>
+                <a:cs typeface="Times New Roman" panose="02020603050405020304" pitchFamily="18" charset="0"/>
+              </a:rPr>
+              <a:t>[6] </a:t>
+            </a:r>
+            <a:r>
+              <a:rPr lang="en-US" sz="2400" dirty="0" err="1">
+                <a:latin typeface="Times New Roman" panose="02020603050405020304" pitchFamily="18" charset="0"/>
+                <a:cs typeface="Times New Roman" panose="02020603050405020304" pitchFamily="18" charset="0"/>
+              </a:rPr>
+              <a:t>Ojala</a:t>
+            </a:r>
+            <a:r>
+              <a:rPr lang="en-US" sz="2400" dirty="0">
+                <a:latin typeface="Times New Roman" panose="02020603050405020304" pitchFamily="18" charset="0"/>
+                <a:cs typeface="Times New Roman" panose="02020603050405020304" pitchFamily="18" charset="0"/>
+              </a:rPr>
+              <a:t>, T., </a:t>
+            </a:r>
+            <a:r>
+              <a:rPr lang="en-US" sz="2400" dirty="0" err="1">
+                <a:latin typeface="Times New Roman" panose="02020603050405020304" pitchFamily="18" charset="0"/>
+                <a:cs typeface="Times New Roman" panose="02020603050405020304" pitchFamily="18" charset="0"/>
+              </a:rPr>
+              <a:t>Pietikäinen</a:t>
+            </a:r>
+            <a:r>
+              <a:rPr lang="en-US" sz="2400" dirty="0">
+                <a:latin typeface="Times New Roman" panose="02020603050405020304" pitchFamily="18" charset="0"/>
+                <a:cs typeface="Times New Roman" panose="02020603050405020304" pitchFamily="18" charset="0"/>
+              </a:rPr>
+              <a:t>, M., </a:t>
+            </a:r>
+            <a:r>
+              <a:rPr lang="en-US" sz="2400" dirty="0" err="1">
+                <a:latin typeface="Times New Roman" panose="02020603050405020304" pitchFamily="18" charset="0"/>
+                <a:cs typeface="Times New Roman" panose="02020603050405020304" pitchFamily="18" charset="0"/>
+              </a:rPr>
+              <a:t>Mäenpää</a:t>
+            </a:r>
+            <a:r>
+              <a:rPr lang="en-US" sz="2400" dirty="0">
+                <a:latin typeface="Times New Roman" panose="02020603050405020304" pitchFamily="18" charset="0"/>
+                <a:cs typeface="Times New Roman" panose="02020603050405020304" pitchFamily="18" charset="0"/>
+              </a:rPr>
+              <a:t>, T.: Multiresolution gray-scale and rotation invariant texture classification with local binary patterns. IEEE Transactions on Pattern Analysis and Machine Intelligence 24, 971–987 (2002).</a:t>
+            </a:r>
+          </a:p>
+          <a:p>
+            <a:pPr marL="285750" indent="-285750">
+              <a:lnSpc>
+                <a:spcPct val="150000"/>
+              </a:lnSpc>
+              <a:buFont typeface="Wingdings" panose="05000000000000000000" pitchFamily="2" charset="2"/>
+              <a:buChar char="Ø"/>
+            </a:pPr>
+            <a:r>
+              <a:rPr lang="en-US" sz="2400" dirty="0">
+                <a:latin typeface="Times New Roman" panose="02020603050405020304" pitchFamily="18" charset="0"/>
+                <a:cs typeface="Times New Roman" panose="02020603050405020304" pitchFamily="18" charset="0"/>
+              </a:rPr>
+              <a:t>[7] </a:t>
+            </a:r>
+            <a:r>
+              <a:rPr lang="en-US" sz="2400" dirty="0" err="1">
+                <a:latin typeface="Times New Roman" panose="02020603050405020304" pitchFamily="18" charset="0"/>
+                <a:cs typeface="Times New Roman" panose="02020603050405020304" pitchFamily="18" charset="0"/>
+              </a:rPr>
+              <a:t>Pantech</a:t>
+            </a:r>
+            <a:r>
+              <a:rPr lang="en-US" sz="2400" dirty="0">
+                <a:latin typeface="Times New Roman" panose="02020603050405020304" pitchFamily="18" charset="0"/>
+                <a:cs typeface="Times New Roman" panose="02020603050405020304" pitchFamily="18" charset="0"/>
+              </a:rPr>
+              <a:t>, “</a:t>
+            </a:r>
+            <a:r>
+              <a:rPr lang="en-US" sz="2400" dirty="0" err="1">
+                <a:latin typeface="Times New Roman" panose="02020603050405020304" pitchFamily="18" charset="0"/>
+                <a:cs typeface="Times New Roman" panose="02020603050405020304" pitchFamily="18" charset="0"/>
+              </a:rPr>
+              <a:t>Pantech</a:t>
+            </a:r>
+            <a:r>
+              <a:rPr lang="en-US" sz="2400" dirty="0">
+                <a:latin typeface="Times New Roman" panose="02020603050405020304" pitchFamily="18" charset="0"/>
+                <a:cs typeface="Times New Roman" panose="02020603050405020304" pitchFamily="18" charset="0"/>
+              </a:rPr>
+              <a:t> unveils VEGA LTE-A, world's first LTE-A with fingerprint recognition and rear touch,” 2013.</a:t>
+            </a:r>
+          </a:p>
+          <a:p>
+            <a:pPr marL="285750" indent="-285750">
+              <a:lnSpc>
+                <a:spcPct val="150000"/>
+              </a:lnSpc>
+              <a:buFont typeface="Wingdings" panose="05000000000000000000" pitchFamily="2" charset="2"/>
+              <a:buChar char="Ø"/>
+            </a:pPr>
+            <a:r>
+              <a:rPr lang="en-US" sz="2400" dirty="0">
+                <a:latin typeface="Times New Roman" panose="02020603050405020304" pitchFamily="18" charset="0"/>
+                <a:cs typeface="Times New Roman" panose="02020603050405020304" pitchFamily="18" charset="0"/>
+              </a:rPr>
+              <a:t>[8] M. Bishop, Computer Security: Art and Science, Addison-Wesley, Boston, Mass, USA, 2003.</a:t>
+            </a:r>
+          </a:p>
+          <a:p>
+            <a:pPr marL="285750" indent="-285750">
+              <a:lnSpc>
+                <a:spcPct val="150000"/>
+              </a:lnSpc>
+              <a:buFont typeface="Wingdings" panose="05000000000000000000" pitchFamily="2" charset="2"/>
+              <a:buChar char="Ø"/>
+            </a:pPr>
+            <a:r>
+              <a:rPr lang="en-US" sz="2400" dirty="0">
+                <a:latin typeface="Times New Roman" panose="02020603050405020304" pitchFamily="18" charset="0"/>
+                <a:cs typeface="Times New Roman" panose="02020603050405020304" pitchFamily="18" charset="0"/>
+              </a:rPr>
+              <a:t>[9] N. K. </a:t>
+            </a:r>
+            <a:r>
+              <a:rPr lang="en-US" sz="2400" dirty="0" err="1">
+                <a:latin typeface="Times New Roman" panose="02020603050405020304" pitchFamily="18" charset="0"/>
+                <a:cs typeface="Times New Roman" panose="02020603050405020304" pitchFamily="18" charset="0"/>
+              </a:rPr>
+              <a:t>Ratha</a:t>
+            </a:r>
+            <a:r>
+              <a:rPr lang="en-US" sz="2400" dirty="0">
+                <a:latin typeface="Times New Roman" panose="02020603050405020304" pitchFamily="18" charset="0"/>
+                <a:cs typeface="Times New Roman" panose="02020603050405020304" pitchFamily="18" charset="0"/>
+              </a:rPr>
+              <a:t>, J. H. Connell, and R. M. </a:t>
+            </a:r>
+            <a:r>
+              <a:rPr lang="en-US" sz="2400" dirty="0" err="1">
+                <a:latin typeface="Times New Roman" panose="02020603050405020304" pitchFamily="18" charset="0"/>
+                <a:cs typeface="Times New Roman" panose="02020603050405020304" pitchFamily="18" charset="0"/>
+              </a:rPr>
+              <a:t>Bolle</a:t>
+            </a:r>
+            <a:r>
+              <a:rPr lang="en-US" sz="2400" dirty="0">
+                <a:latin typeface="Times New Roman" panose="02020603050405020304" pitchFamily="18" charset="0"/>
+                <a:cs typeface="Times New Roman" panose="02020603050405020304" pitchFamily="18" charset="0"/>
+              </a:rPr>
+              <a:t>, “Enhancing security and privacy in biometrics-based authentication systems,” IBM Systems Journal, vol. 40, no. 3, pp. 614–634, 2001.</a:t>
+            </a:r>
+          </a:p>
+        </p:txBody>
+      </p:sp>
+      <p:sp>
+        <p:nvSpPr>
+          <p:cNvPr id="3" name="TextBox 2">
+            <a:extLst>
+              <a:ext uri="{FF2B5EF4-FFF2-40B4-BE49-F238E27FC236}">
+                <a16:creationId xmlns:a16="http://schemas.microsoft.com/office/drawing/2014/main" id="{0BE38CE1-23E4-41A3-B59B-3C3BCA8359F4}"/>
+              </a:ext>
+            </a:extLst>
+          </p:cNvPr>
+          <p:cNvSpPr txBox="1"/>
+          <p:nvPr/>
+        </p:nvSpPr>
+        <p:spPr>
+          <a:xfrm>
+            <a:off x="355600" y="393700"/>
+            <a:ext cx="5892800" cy="584775"/>
+          </a:xfrm>
+          <a:prstGeom prst="rect">
+            <a:avLst/>
+          </a:prstGeom>
+          <a:noFill/>
+        </p:spPr>
+        <p:txBody>
+          <a:bodyPr wrap="square" rtlCol="0">
+            <a:spAutoFit/>
+          </a:bodyPr>
+          <a:lstStyle/>
+          <a:p>
+            <a:r>
+              <a:rPr lang="en-IN" sz="3200" b="1" dirty="0">
+                <a:latin typeface="Times New Roman" panose="02020603050405020304" pitchFamily="18" charset="0"/>
+                <a:cs typeface="Times New Roman" panose="02020603050405020304" pitchFamily="18" charset="0"/>
+              </a:rPr>
+              <a:t>REFERENCES:</a:t>
+            </a:r>
+          </a:p>
+        </p:txBody>
+      </p:sp>
+    </p:spTree>
+    <p:extLst>
+      <p:ext uri="{BB962C8B-B14F-4D97-AF65-F5344CB8AC3E}">
+        <p14:creationId xmlns:p14="http://schemas.microsoft.com/office/powerpoint/2010/main" val="1009810042"/>
+      </p:ext>
+    </p:extLst>
+  </p:cSld>
+  <p:clrMapOvr>
+    <a:masterClrMapping/>
+  </p:clrMapOvr>
+</p:sld>
+</file>
+
+<file path=ppt/slides/slide17.xml><?xml version="1.0" encoding="utf-8"?>
 <p:sld xmlns:a="http://schemas.openxmlformats.org/drawingml/2006/main" xmlns:r="http://schemas.openxmlformats.org/officeDocument/2006/relationships" xmlns:p="http://schemas.openxmlformats.org/presentationml/2006/main">
   <p:cSld>
     <p:spTree>
@@ -10363,7 +11176,7 @@
         </p:nvSpPr>
         <p:spPr>
           <a:xfrm>
-            <a:off x="1683058" y="1754022"/>
+            <a:off x="1655762" y="2215687"/>
             <a:ext cx="10125075" cy="3349956"/>
           </a:xfrm>
           <a:prstGeom prst="rect">
@@ -10634,7 +11447,7 @@
                 <a:latin typeface="Times New Roman" panose="02020603050405020304" pitchFamily="18" charset="0"/>
                 <a:cs typeface="Times New Roman" panose="02020603050405020304" pitchFamily="18" charset="0"/>
               </a:rPr>
-              <a:t>ESP 32</a:t>
+              <a:t>ESP 8266</a:t>
             </a:r>
           </a:p>
         </p:txBody>
